--- a/Documents/Design.pptx
+++ b/Documents/Design.pptx
@@ -7,6 +7,8 @@
   <p:sldIdLst>
     <p:sldId id="256" r:id="rId2"/>
     <p:sldId id="257" r:id="rId3"/>
+    <p:sldId id="259" r:id="rId4"/>
+    <p:sldId id="258" r:id="rId5"/>
   </p:sldIdLst>
   <p:sldSz cx="12192000" cy="6858000"/>
   <p:notesSz cx="6858000" cy="9144000"/>
@@ -3474,7 +3476,7 @@
           <a:bodyPr/>
           <a:lstStyle/>
           <a:p>
-            <a:endParaRPr lang="ko-KR" altLang="en-US"/>
+            <a:endParaRPr lang="ko-KR" altLang="en-US" dirty="0"/>
           </a:p>
         </p:txBody>
       </p:sp>
@@ -4854,6 +4856,353 @@
     <p:extLst>
       <p:ext uri="{BB962C8B-B14F-4D97-AF65-F5344CB8AC3E}">
         <p14:creationId xmlns:p14="http://schemas.microsoft.com/office/powerpoint/2010/main" val="1388425502"/>
+      </p:ext>
+    </p:extLst>
+  </p:cSld>
+  <p:clrMapOvr>
+    <a:masterClrMapping/>
+  </p:clrMapOvr>
+</p:sld>
+</file>
+
+<file path=ppt/slides/slide3.xml><?xml version="1.0" encoding="utf-8"?>
+<p:sld xmlns:a="http://schemas.openxmlformats.org/drawingml/2006/main" xmlns:r="http://schemas.openxmlformats.org/officeDocument/2006/relationships" xmlns:p="http://schemas.openxmlformats.org/presentationml/2006/main">
+  <p:cSld>
+    <p:spTree>
+      <p:nvGrpSpPr>
+        <p:cNvPr id="1" name=""/>
+        <p:cNvGrpSpPr/>
+        <p:nvPr/>
+      </p:nvGrpSpPr>
+      <p:grpSpPr>
+        <a:xfrm>
+          <a:off x="0" y="0"/>
+          <a:ext cx="0" cy="0"/>
+          <a:chOff x="0" y="0"/>
+          <a:chExt cx="0" cy="0"/>
+        </a:xfrm>
+      </p:grpSpPr>
+      <p:sp>
+        <p:nvSpPr>
+          <p:cNvPr id="2" name="제목 1">
+            <a:extLst>
+              <a:ext uri="{FF2B5EF4-FFF2-40B4-BE49-F238E27FC236}">
+                <a16:creationId xmlns:a16="http://schemas.microsoft.com/office/drawing/2014/main" id="{1B55CDFF-24D8-472C-BFE8-C6C136DF2364}"/>
+              </a:ext>
+            </a:extLst>
+          </p:cNvPr>
+          <p:cNvSpPr>
+            <a:spLocks noGrp="1"/>
+          </p:cNvSpPr>
+          <p:nvPr>
+            <p:ph type="title"/>
+          </p:nvPr>
+        </p:nvSpPr>
+        <p:spPr/>
+        <p:txBody>
+          <a:bodyPr/>
+          <a:lstStyle/>
+          <a:p>
+            <a:r>
+              <a:rPr lang="en-US" altLang="ko-KR" dirty="0"/>
+              <a:t>Address</a:t>
+            </a:r>
+            <a:r>
+              <a:rPr lang="ko-KR" altLang="en-US" dirty="0"/>
+              <a:t> </a:t>
+            </a:r>
+            <a:r>
+              <a:rPr lang="en-US" altLang="ko-KR" dirty="0"/>
+              <a:t>convertor</a:t>
+            </a:r>
+            <a:endParaRPr lang="ko-KR" altLang="en-US" dirty="0"/>
+          </a:p>
+        </p:txBody>
+      </p:sp>
+      <p:sp>
+        <p:nvSpPr>
+          <p:cNvPr id="3" name="내용 개체 틀 2">
+            <a:extLst>
+              <a:ext uri="{FF2B5EF4-FFF2-40B4-BE49-F238E27FC236}">
+                <a16:creationId xmlns:a16="http://schemas.microsoft.com/office/drawing/2014/main" id="{75AD2EE1-E8EB-4B2F-98B6-1AFFB3A6AD59}"/>
+              </a:ext>
+            </a:extLst>
+          </p:cNvPr>
+          <p:cNvSpPr>
+            <a:spLocks noGrp="1"/>
+          </p:cNvSpPr>
+          <p:nvPr>
+            <p:ph idx="1"/>
+          </p:nvPr>
+        </p:nvSpPr>
+        <p:spPr/>
+        <p:txBody>
+          <a:bodyPr/>
+          <a:lstStyle/>
+          <a:p>
+            <a:endParaRPr lang="ko-KR" altLang="en-US"/>
+          </a:p>
+        </p:txBody>
+      </p:sp>
+    </p:spTree>
+    <p:extLst>
+      <p:ext uri="{BB962C8B-B14F-4D97-AF65-F5344CB8AC3E}">
+        <p14:creationId xmlns:p14="http://schemas.microsoft.com/office/powerpoint/2010/main" val="3133161005"/>
+      </p:ext>
+    </p:extLst>
+  </p:cSld>
+  <p:clrMapOvr>
+    <a:masterClrMapping/>
+  </p:clrMapOvr>
+</p:sld>
+</file>
+
+<file path=ppt/slides/slide4.xml><?xml version="1.0" encoding="utf-8"?>
+<p:sld xmlns:a="http://schemas.openxmlformats.org/drawingml/2006/main" xmlns:r="http://schemas.openxmlformats.org/officeDocument/2006/relationships" xmlns:p="http://schemas.openxmlformats.org/presentationml/2006/main">
+  <p:cSld>
+    <p:spTree>
+      <p:nvGrpSpPr>
+        <p:cNvPr id="1" name=""/>
+        <p:cNvGrpSpPr/>
+        <p:nvPr/>
+      </p:nvGrpSpPr>
+      <p:grpSpPr>
+        <a:xfrm>
+          <a:off x="0" y="0"/>
+          <a:ext cx="0" cy="0"/>
+          <a:chOff x="0" y="0"/>
+          <a:chExt cx="0" cy="0"/>
+        </a:xfrm>
+      </p:grpSpPr>
+      <p:sp>
+        <p:nvSpPr>
+          <p:cNvPr id="2" name="제목 1">
+            <a:extLst>
+              <a:ext uri="{FF2B5EF4-FFF2-40B4-BE49-F238E27FC236}">
+                <a16:creationId xmlns:a16="http://schemas.microsoft.com/office/drawing/2014/main" id="{6F115299-FFD9-4ED2-B1C8-3534DB981F6F}"/>
+              </a:ext>
+            </a:extLst>
+          </p:cNvPr>
+          <p:cNvSpPr>
+            <a:spLocks noGrp="1"/>
+          </p:cNvSpPr>
+          <p:nvPr>
+            <p:ph type="title"/>
+          </p:nvPr>
+        </p:nvSpPr>
+        <p:spPr/>
+        <p:txBody>
+          <a:bodyPr/>
+          <a:lstStyle/>
+          <a:p>
+            <a:r>
+              <a:rPr lang="ko-KR" altLang="en-US" dirty="0"/>
+              <a:t>사용자 정의 명령어</a:t>
+            </a:r>
+          </a:p>
+        </p:txBody>
+      </p:sp>
+      <p:sp>
+        <p:nvSpPr>
+          <p:cNvPr id="4" name="사각형: 둥근 모서리 3">
+            <a:extLst>
+              <a:ext uri="{FF2B5EF4-FFF2-40B4-BE49-F238E27FC236}">
+                <a16:creationId xmlns:a16="http://schemas.microsoft.com/office/drawing/2014/main" id="{FDAE69B2-211E-404C-9F87-5A468869BBD9}"/>
+              </a:ext>
+            </a:extLst>
+          </p:cNvPr>
+          <p:cNvSpPr/>
+          <p:nvPr/>
+        </p:nvSpPr>
+        <p:spPr>
+          <a:xfrm>
+            <a:off x="2606177" y="2697338"/>
+            <a:ext cx="3064950" cy="340338"/>
+          </a:xfrm>
+          <a:prstGeom prst="roundRect">
+            <a:avLst/>
+          </a:prstGeom>
+        </p:spPr>
+        <p:style>
+          <a:lnRef idx="2">
+            <a:schemeClr val="accent1">
+              <a:shade val="50000"/>
+            </a:schemeClr>
+          </a:lnRef>
+          <a:fillRef idx="1">
+            <a:schemeClr val="accent1"/>
+          </a:fillRef>
+          <a:effectRef idx="0">
+            <a:schemeClr val="accent1"/>
+          </a:effectRef>
+          <a:fontRef idx="minor">
+            <a:schemeClr val="lt1"/>
+          </a:fontRef>
+        </p:style>
+        <p:txBody>
+          <a:bodyPr rtlCol="0" anchor="ctr"/>
+          <a:lstStyle/>
+          <a:p>
+            <a:pPr algn="ctr"/>
+            <a:r>
+              <a:rPr lang="en-US" altLang="ko-KR" sz="1400" dirty="0" err="1"/>
+              <a:t>UserDefinedTerminalFunctionNode</a:t>
+            </a:r>
+            <a:endParaRPr lang="ko-KR" altLang="en-US" sz="1400" dirty="0"/>
+          </a:p>
+        </p:txBody>
+      </p:sp>
+      <p:sp>
+        <p:nvSpPr>
+          <p:cNvPr id="8" name="사각형: 둥근 모서리 7">
+            <a:extLst>
+              <a:ext uri="{FF2B5EF4-FFF2-40B4-BE49-F238E27FC236}">
+                <a16:creationId xmlns:a16="http://schemas.microsoft.com/office/drawing/2014/main" id="{A9DFF864-F79D-459C-85C6-28CB62A2892F}"/>
+              </a:ext>
+            </a:extLst>
+          </p:cNvPr>
+          <p:cNvSpPr/>
+          <p:nvPr/>
+        </p:nvSpPr>
+        <p:spPr>
+          <a:xfrm>
+            <a:off x="2509195" y="3820324"/>
+            <a:ext cx="3064950" cy="340338"/>
+          </a:xfrm>
+          <a:prstGeom prst="roundRect">
+            <a:avLst/>
+          </a:prstGeom>
+        </p:spPr>
+        <p:style>
+          <a:lnRef idx="2">
+            <a:schemeClr val="accent1">
+              <a:shade val="50000"/>
+            </a:schemeClr>
+          </a:lnRef>
+          <a:fillRef idx="1">
+            <a:schemeClr val="accent1"/>
+          </a:fillRef>
+          <a:effectRef idx="0">
+            <a:schemeClr val="accent1"/>
+          </a:effectRef>
+          <a:fontRef idx="minor">
+            <a:schemeClr val="lt1"/>
+          </a:fontRef>
+        </p:style>
+        <p:txBody>
+          <a:bodyPr rtlCol="0" anchor="ctr"/>
+          <a:lstStyle/>
+          <a:p>
+            <a:pPr algn="ctr"/>
+            <a:r>
+              <a:rPr lang="ko-KR" altLang="en-US" sz="1400" dirty="0" err="1"/>
+              <a:t>UserDefinedCommandMapper</a:t>
+            </a:r>
+            <a:endParaRPr lang="ko-KR" altLang="en-US" sz="1400" dirty="0"/>
+          </a:p>
+        </p:txBody>
+      </p:sp>
+      <p:sp>
+        <p:nvSpPr>
+          <p:cNvPr id="10" name="사각형: 둥근 모서리 9">
+            <a:extLst>
+              <a:ext uri="{FF2B5EF4-FFF2-40B4-BE49-F238E27FC236}">
+                <a16:creationId xmlns:a16="http://schemas.microsoft.com/office/drawing/2014/main" id="{A9C3DA75-16E5-4777-BFAC-4FF641DD2449}"/>
+              </a:ext>
+            </a:extLst>
+          </p:cNvPr>
+          <p:cNvSpPr/>
+          <p:nvPr/>
+        </p:nvSpPr>
+        <p:spPr>
+          <a:xfrm>
+            <a:off x="3400505" y="4826974"/>
+            <a:ext cx="2344513" cy="340338"/>
+          </a:xfrm>
+          <a:prstGeom prst="roundRect">
+            <a:avLst/>
+          </a:prstGeom>
+        </p:spPr>
+        <p:style>
+          <a:lnRef idx="2">
+            <a:schemeClr val="accent1">
+              <a:shade val="50000"/>
+            </a:schemeClr>
+          </a:lnRef>
+          <a:fillRef idx="1">
+            <a:schemeClr val="accent1"/>
+          </a:fillRef>
+          <a:effectRef idx="0">
+            <a:schemeClr val="accent1"/>
+          </a:effectRef>
+          <a:fontRef idx="minor">
+            <a:schemeClr val="lt1"/>
+          </a:fontRef>
+        </p:style>
+        <p:txBody>
+          <a:bodyPr rtlCol="0" anchor="ctr"/>
+          <a:lstStyle/>
+          <a:p>
+            <a:pPr algn="ctr"/>
+            <a:r>
+              <a:rPr lang="ko-KR" altLang="en-US" sz="1400" dirty="0" err="1"/>
+              <a:t>UserDefinedILCommand</a:t>
+            </a:r>
+            <a:endParaRPr lang="ko-KR" altLang="en-US" sz="1400" dirty="0"/>
+          </a:p>
+        </p:txBody>
+      </p:sp>
+      <p:sp>
+        <p:nvSpPr>
+          <p:cNvPr id="12" name="TextBox 11">
+            <a:extLst>
+              <a:ext uri="{FF2B5EF4-FFF2-40B4-BE49-F238E27FC236}">
+                <a16:creationId xmlns:a16="http://schemas.microsoft.com/office/drawing/2014/main" id="{BB2C5E0D-F06C-492A-8ABB-A98592FEDA53}"/>
+              </a:ext>
+            </a:extLst>
+          </p:cNvPr>
+          <p:cNvSpPr txBox="1"/>
+          <p:nvPr/>
+        </p:nvSpPr>
+        <p:spPr>
+          <a:xfrm>
+            <a:off x="5948220" y="4905701"/>
+            <a:ext cx="2179782" cy="261610"/>
+          </a:xfrm>
+          <a:prstGeom prst="rect">
+            <a:avLst/>
+          </a:prstGeom>
+          <a:noFill/>
+        </p:spPr>
+        <p:txBody>
+          <a:bodyPr wrap="square" rtlCol="0">
+            <a:spAutoFit/>
+          </a:bodyPr>
+          <a:lstStyle/>
+          <a:p>
+            <a:r>
+              <a:rPr lang="ko-KR" altLang="en-US" sz="1100" dirty="0"/>
+              <a:t>실제 </a:t>
+            </a:r>
+            <a:r>
+              <a:rPr lang="en-US" altLang="ko-KR" sz="1100" dirty="0"/>
+              <a:t>serialize </a:t>
+            </a:r>
+            <a:r>
+              <a:rPr lang="ko-KR" altLang="en-US" sz="1100" dirty="0" err="1"/>
+              <a:t>해야할</a:t>
+            </a:r>
+            <a:r>
+              <a:rPr lang="ko-KR" altLang="en-US" sz="1100" dirty="0"/>
+              <a:t> 클래스 </a:t>
+            </a:r>
+          </a:p>
+        </p:txBody>
+      </p:sp>
+    </p:spTree>
+    <p:extLst>
+      <p:ext uri="{BB962C8B-B14F-4D97-AF65-F5344CB8AC3E}">
+        <p14:creationId xmlns:p14="http://schemas.microsoft.com/office/powerpoint/2010/main" val="2409477876"/>
       </p:ext>
     </p:extLst>
   </p:cSld>

--- a/Documents/Design.pptx
+++ b/Documents/Design.pptx
@@ -4327,7 +4327,7 @@
         <p:spPr>
           <a:xfrm>
             <a:off x="8040979" y="2867507"/>
-            <a:ext cx="582211" cy="246221"/>
+            <a:ext cx="705642" cy="400110"/>
           </a:xfrm>
           <a:prstGeom prst="rect">
             <a:avLst/>
@@ -4341,7 +4341,30 @@
           <a:lstStyle/>
           <a:p>
             <a:r>
+              <a:rPr lang="en-US" altLang="ko-KR" sz="1000" dirty="0">
+                <a:solidFill>
+                  <a:srgbClr val="0070C0"/>
+                </a:solidFill>
+              </a:rPr>
+              <a:t>Rung</a:t>
+            </a:r>
+            <a:r>
               <a:rPr lang="ko-KR" altLang="en-US" sz="1000" dirty="0">
+                <a:solidFill>
+                  <a:srgbClr val="0070C0"/>
+                </a:solidFill>
+              </a:rPr>
+              <a:t> 별 </a:t>
+            </a:r>
+            <a:endParaRPr lang="en-US" altLang="ko-KR" sz="1000">
+              <a:solidFill>
+                <a:srgbClr val="0070C0"/>
+              </a:solidFill>
+            </a:endParaRPr>
+          </a:p>
+          <a:p>
+            <a:r>
+              <a:rPr lang="ko-KR" altLang="en-US" sz="1000">
                 <a:solidFill>
                   <a:srgbClr val="0070C0"/>
                 </a:solidFill>
@@ -4381,8 +4404,8 @@
         </p:nvCxnSpPr>
         <p:spPr>
           <a:xfrm rot="10800000" flipV="1">
-            <a:off x="7475461" y="2990617"/>
-            <a:ext cx="565519" cy="239219"/>
+            <a:off x="7475461" y="3067561"/>
+            <a:ext cx="565519" cy="162275"/>
           </a:xfrm>
           <a:prstGeom prst="curvedConnector2">
             <a:avLst/>

--- a/Documents/Design.pptx
+++ b/Documents/Design.pptx
@@ -9,6 +9,7 @@
     <p:sldId id="257" r:id="rId3"/>
     <p:sldId id="259" r:id="rId4"/>
     <p:sldId id="258" r:id="rId5"/>
+    <p:sldId id="262" r:id="rId6"/>
   </p:sldIdLst>
   <p:sldSz cx="12192000" cy="6858000"/>
   <p:notesSz cx="6858000" cy="9144000"/>
@@ -4356,7 +4357,7 @@
               </a:rPr>
               <a:t> 별 </a:t>
             </a:r>
-            <a:endParaRPr lang="en-US" altLang="ko-KR" sz="1000">
+            <a:endParaRPr lang="en-US" altLang="ko-KR" sz="1000" dirty="0">
               <a:solidFill>
                 <a:srgbClr val="0070C0"/>
               </a:solidFill>
@@ -4364,7 +4365,7 @@
           </a:p>
           <a:p>
             <a:r>
-              <a:rPr lang="ko-KR" altLang="en-US" sz="1000">
+              <a:rPr lang="ko-KR" altLang="en-US" sz="1000" dirty="0">
                 <a:solidFill>
                   <a:srgbClr val="0070C0"/>
                 </a:solidFill>
@@ -5226,6 +5227,249 @@
     <p:extLst>
       <p:ext uri="{BB962C8B-B14F-4D97-AF65-F5344CB8AC3E}">
         <p14:creationId xmlns:p14="http://schemas.microsoft.com/office/powerpoint/2010/main" val="2409477876"/>
+      </p:ext>
+    </p:extLst>
+  </p:cSld>
+  <p:clrMapOvr>
+    <a:masterClrMapping/>
+  </p:clrMapOvr>
+</p:sld>
+</file>
+
+<file path=ppt/slides/slide5.xml><?xml version="1.0" encoding="utf-8"?>
+<p:sld xmlns:a="http://schemas.openxmlformats.org/drawingml/2006/main" xmlns:r="http://schemas.openxmlformats.org/officeDocument/2006/relationships" xmlns:p="http://schemas.openxmlformats.org/presentationml/2006/main">
+  <p:cSld>
+    <p:spTree>
+      <p:nvGrpSpPr>
+        <p:cNvPr id="1" name=""/>
+        <p:cNvGrpSpPr/>
+        <p:nvPr/>
+      </p:nvGrpSpPr>
+      <p:grpSpPr>
+        <a:xfrm>
+          <a:off x="0" y="0"/>
+          <a:ext cx="0" cy="0"/>
+          <a:chOff x="0" y="0"/>
+          <a:chExt cx="0" cy="0"/>
+        </a:xfrm>
+      </p:grpSpPr>
+      <p:sp>
+        <p:nvSpPr>
+          <p:cNvPr id="2" name="제목 1">
+            <a:extLst>
+              <a:ext uri="{FF2B5EF4-FFF2-40B4-BE49-F238E27FC236}">
+                <a16:creationId xmlns:a16="http://schemas.microsoft.com/office/drawing/2014/main" id="{FCFD9BB4-4ADE-458F-8D4E-8840A663ECF0}"/>
+              </a:ext>
+            </a:extLst>
+          </p:cNvPr>
+          <p:cNvSpPr>
+            <a:spLocks noGrp="1"/>
+          </p:cNvSpPr>
+          <p:nvPr>
+            <p:ph type="title"/>
+          </p:nvPr>
+        </p:nvSpPr>
+        <p:spPr/>
+        <p:txBody>
+          <a:bodyPr/>
+          <a:lstStyle/>
+          <a:p>
+            <a:r>
+              <a:rPr lang="ko-KR" altLang="en-US" dirty="0"/>
+              <a:t>다중 입력 </a:t>
+            </a:r>
+            <a:r>
+              <a:rPr lang="en-US" altLang="ko-KR" dirty="0"/>
+              <a:t>function output </a:t>
+            </a:r>
+            <a:r>
+              <a:rPr lang="ko-KR" altLang="en-US" dirty="0"/>
+              <a:t>처리</a:t>
+            </a:r>
+          </a:p>
+        </p:txBody>
+      </p:sp>
+      <p:pic>
+        <p:nvPicPr>
+          <p:cNvPr id="4" name="그림 3">
+            <a:extLst>
+              <a:ext uri="{FF2B5EF4-FFF2-40B4-BE49-F238E27FC236}">
+                <a16:creationId xmlns:a16="http://schemas.microsoft.com/office/drawing/2014/main" id="{BA199F43-67AB-4F05-8E05-C82DB683580D}"/>
+              </a:ext>
+            </a:extLst>
+          </p:cNvPr>
+          <p:cNvPicPr>
+            <a:picLocks noChangeAspect="1"/>
+          </p:cNvPicPr>
+          <p:nvPr/>
+        </p:nvPicPr>
+        <p:blipFill>
+          <a:blip r:embed="rId2"/>
+          <a:stretch>
+            <a:fillRect/>
+          </a:stretch>
+        </p:blipFill>
+        <p:spPr>
+          <a:xfrm>
+            <a:off x="4347275" y="3573115"/>
+            <a:ext cx="6502176" cy="2546380"/>
+          </a:xfrm>
+          <a:prstGeom prst="rect">
+            <a:avLst/>
+          </a:prstGeom>
+        </p:spPr>
+      </p:pic>
+      <p:sp>
+        <p:nvSpPr>
+          <p:cNvPr id="3" name="TextBox 2">
+            <a:extLst>
+              <a:ext uri="{FF2B5EF4-FFF2-40B4-BE49-F238E27FC236}">
+                <a16:creationId xmlns:a16="http://schemas.microsoft.com/office/drawing/2014/main" id="{04652A34-9E19-45FE-B0C5-0B38A474FBF3}"/>
+              </a:ext>
+            </a:extLst>
+          </p:cNvPr>
+          <p:cNvSpPr txBox="1"/>
+          <p:nvPr/>
+        </p:nvSpPr>
+        <p:spPr>
+          <a:xfrm>
+            <a:off x="1342549" y="1588576"/>
+            <a:ext cx="5942652" cy="954107"/>
+          </a:xfrm>
+          <a:prstGeom prst="rect">
+            <a:avLst/>
+          </a:prstGeom>
+          <a:noFill/>
+        </p:spPr>
+        <p:txBody>
+          <a:bodyPr wrap="none" rtlCol="0">
+            <a:spAutoFit/>
+          </a:bodyPr>
+          <a:lstStyle/>
+          <a:p>
+            <a:r>
+              <a:rPr lang="en-US" altLang="ko-KR" sz="1400" dirty="0"/>
+              <a:t>OUT </a:t>
+            </a:r>
+            <a:r>
+              <a:rPr lang="ko-KR" altLang="en-US" sz="1400" dirty="0"/>
+              <a:t>의 경우</a:t>
+            </a:r>
+            <a:r>
+              <a:rPr lang="en-US" altLang="ko-KR" sz="1400" dirty="0"/>
+              <a:t>, </a:t>
+            </a:r>
+            <a:r>
+              <a:rPr lang="ko-KR" altLang="en-US" sz="1400" dirty="0"/>
+              <a:t>하나의 </a:t>
+            </a:r>
+            <a:r>
+              <a:rPr lang="en-US" altLang="ko-KR" sz="1400" dirty="0"/>
+              <a:t>sub rung </a:t>
+            </a:r>
+            <a:r>
+              <a:rPr lang="ko-KR" altLang="en-US" sz="1400" dirty="0"/>
+              <a:t>을 받음 </a:t>
+            </a:r>
+            <a:r>
+              <a:rPr lang="en-US" altLang="ko-KR" sz="1400" dirty="0"/>
+              <a:t>(arity = 1)</a:t>
+            </a:r>
+          </a:p>
+          <a:p>
+            <a:r>
+              <a:rPr lang="en-US" altLang="ko-KR" sz="1400" dirty="0"/>
+              <a:t>TTIM </a:t>
+            </a:r>
+            <a:r>
+              <a:rPr lang="ko-KR" altLang="en-US" sz="1400" dirty="0"/>
+              <a:t>의 경우</a:t>
+            </a:r>
+            <a:r>
+              <a:rPr lang="en-US" altLang="ko-KR" sz="1400" dirty="0"/>
+              <a:t>, </a:t>
+            </a:r>
+            <a:r>
+              <a:rPr lang="ko-KR" altLang="en-US" sz="1400" dirty="0"/>
+              <a:t>두개의 </a:t>
+            </a:r>
+            <a:r>
+              <a:rPr lang="en-US" altLang="ko-KR" sz="1400" dirty="0"/>
+              <a:t>sub rung </a:t>
+            </a:r>
+            <a:r>
+              <a:rPr lang="ko-KR" altLang="en-US" sz="1400" dirty="0"/>
+              <a:t>을 받음 </a:t>
+            </a:r>
+            <a:r>
+              <a:rPr lang="en-US" altLang="ko-KR" sz="1400" dirty="0"/>
+              <a:t>(arity = 2)</a:t>
+            </a:r>
+          </a:p>
+          <a:p>
+            <a:r>
+              <a:rPr lang="en-US" altLang="ko-KR" sz="1400" dirty="0"/>
+              <a:t>  - </a:t>
+            </a:r>
+            <a:r>
+              <a:rPr lang="ko-KR" altLang="en-US" sz="1400" dirty="0"/>
+              <a:t>첫번째 </a:t>
+            </a:r>
+            <a:r>
+              <a:rPr lang="en-US" altLang="ko-KR" sz="1400" dirty="0"/>
+              <a:t>sub rung </a:t>
+            </a:r>
+            <a:r>
+              <a:rPr lang="ko-KR" altLang="en-US" sz="1400" dirty="0"/>
+              <a:t>에는 </a:t>
+            </a:r>
+            <a:r>
+              <a:rPr lang="en-US" altLang="ko-KR" sz="1400" dirty="0"/>
+              <a:t>TMR </a:t>
+            </a:r>
+            <a:r>
+              <a:rPr lang="ko-KR" altLang="en-US" sz="1400" dirty="0"/>
+              <a:t>출력을</a:t>
+            </a:r>
+            <a:r>
+              <a:rPr lang="en-US" altLang="ko-KR" sz="1400" dirty="0"/>
+              <a:t>, </a:t>
+            </a:r>
+            <a:r>
+              <a:rPr lang="ko-KR" altLang="en-US" sz="1400" dirty="0"/>
+              <a:t>두번째 </a:t>
+            </a:r>
+            <a:r>
+              <a:rPr lang="en-US" altLang="ko-KR" sz="1400" dirty="0"/>
+              <a:t>sub rung </a:t>
+            </a:r>
+            <a:r>
+              <a:rPr lang="ko-KR" altLang="en-US" sz="1400" dirty="0"/>
+              <a:t>은 </a:t>
+            </a:r>
+            <a:r>
+              <a:rPr lang="en-US" altLang="ko-KR" sz="1400" dirty="0"/>
+              <a:t>RST </a:t>
+            </a:r>
+            <a:r>
+              <a:rPr lang="ko-KR" altLang="en-US" sz="1400" dirty="0"/>
+              <a:t>를 연결</a:t>
+            </a:r>
+            <a:endParaRPr lang="en-US" altLang="ko-KR" sz="1400" dirty="0"/>
+          </a:p>
+          <a:p>
+            <a:r>
+              <a:rPr lang="en-US" altLang="ko-KR" sz="1400" dirty="0"/>
+              <a:t>  </a:t>
+            </a:r>
+            <a:endParaRPr lang="ko-KR" altLang="en-US" sz="1400" dirty="0"/>
+          </a:p>
+        </p:txBody>
+      </p:sp>
+    </p:spTree>
+    <p:extLst>
+      <p:ext uri="{BB962C8B-B14F-4D97-AF65-F5344CB8AC3E}">
+        <p14:creationId xmlns:p14="http://schemas.microsoft.com/office/powerpoint/2010/main" val="231087421"/>
       </p:ext>
     </p:extLst>
   </p:cSld>
